--- a/Databases/03. Database Modeling/Data-Modeling-and-ER-Diagrams.pptx
+++ b/Databases/03. Database Modeling/Data-Modeling-and-ER-Diagrams.pptx
@@ -334,7 +334,7 @@
             <a:fld id="{3BF7C7B5-275F-4D1F-9AB4-9255447DBC73}" type="datetimeFigureOut">
               <a:rPr lang="en-US"/>
               <a:pPr/>
-              <a:t>09.07.2013</a:t>
+              <a:t>8/20/2014</a:t>
             </a:fld>
             <a:endParaRPr lang="en-US" dirty="0"/>
           </a:p>
@@ -565,7 +565,7 @@
             <a:fld id="{9B46F231-FB2B-4655-A644-E2477325E686}" type="datetimeFigureOut">
               <a:rPr lang="en-US"/>
               <a:pPr/>
-              <a:t>09.07.2013</a:t>
+              <a:t>8/20/2014</a:t>
             </a:fld>
             <a:endParaRPr lang="en-US" dirty="0"/>
           </a:p>
@@ -5972,148 +5972,6 @@
           </a:p>
         </p:txBody>
       </p:sp>
-      <p:sp>
-        <p:nvSpPr>
-          <p:cNvPr id="4" name="Text Placeholder 3"/>
-          <p:cNvSpPr>
-            <a:spLocks noGrp="1"/>
-          </p:cNvSpPr>
-          <p:nvPr>
-            <p:ph type="body" sz="quarter" idx="10"/>
-          </p:nvPr>
-        </p:nvSpPr>
-        <p:spPr/>
-        <p:txBody>
-          <a:bodyPr/>
-          <a:lstStyle/>
-          <a:p>
-            <a:r>
-              <a:rPr lang="en-US" dirty="0"/>
-              <a:t>Svetlin Nakov</a:t>
-            </a:r>
-          </a:p>
-          <a:p>
-            <a:endParaRPr lang="en-US" dirty="0"/>
-          </a:p>
-        </p:txBody>
-      </p:sp>
-      <p:sp>
-        <p:nvSpPr>
-          <p:cNvPr id="5" name="Text Placeholder 4"/>
-          <p:cNvSpPr>
-            <a:spLocks noGrp="1"/>
-          </p:cNvSpPr>
-          <p:nvPr>
-            <p:ph type="body" sz="quarter" idx="11"/>
-          </p:nvPr>
-        </p:nvSpPr>
-        <p:spPr>
-          <a:xfrm>
-            <a:off x="457200" y="5833646"/>
-            <a:ext cx="3352800" cy="646331"/>
-          </a:xfrm>
-        </p:spPr>
-        <p:txBody>
-          <a:bodyPr/>
-          <a:lstStyle/>
-          <a:p>
-            <a:r>
-              <a:rPr lang="en-US" dirty="0" smtClean="0"/>
-              <a:t>Telerik Software Academy</a:t>
-            </a:r>
-            <a:endParaRPr lang="en-US" dirty="0"/>
-          </a:p>
-          <a:p>
-            <a:endParaRPr lang="en-US" dirty="0"/>
-          </a:p>
-        </p:txBody>
-      </p:sp>
-      <p:sp>
-        <p:nvSpPr>
-          <p:cNvPr id="6" name="Text Placeholder 5"/>
-          <p:cNvSpPr>
-            <a:spLocks noGrp="1"/>
-          </p:cNvSpPr>
-          <p:nvPr>
-            <p:ph type="body" sz="quarter" idx="12"/>
-          </p:nvPr>
-        </p:nvSpPr>
-        <p:spPr/>
-        <p:txBody>
-          <a:bodyPr/>
-          <a:lstStyle/>
-          <a:p>
-            <a:r>
-              <a:rPr lang="en-US" dirty="0" smtClean="0">
-                <a:hlinkClick r:id="rId3"/>
-              </a:rPr>
-              <a:t>http://academy.telerik.com</a:t>
-            </a:r>
-            <a:r>
-              <a:rPr lang="en-US" dirty="0" smtClean="0"/>
-              <a:t> </a:t>
-            </a:r>
-            <a:endParaRPr lang="en-US" dirty="0"/>
-          </a:p>
-        </p:txBody>
-      </p:sp>
-      <p:sp>
-        <p:nvSpPr>
-          <p:cNvPr id="7" name="Text Placeholder 6"/>
-          <p:cNvSpPr>
-            <a:spLocks noGrp="1"/>
-          </p:cNvSpPr>
-          <p:nvPr>
-            <p:ph type="body" sz="quarter" idx="13"/>
-          </p:nvPr>
-        </p:nvSpPr>
-        <p:spPr>
-          <a:xfrm>
-            <a:off x="457199" y="5029200"/>
-            <a:ext cx="3874333" cy="446276"/>
-          </a:xfrm>
-        </p:spPr>
-        <p:txBody>
-          <a:bodyPr/>
-          <a:lstStyle/>
-          <a:p>
-            <a:r>
-              <a:rPr lang="en-US" dirty="0" smtClean="0"/>
-              <a:t>Manager Technical Training</a:t>
-            </a:r>
-            <a:endParaRPr lang="en-US" dirty="0"/>
-          </a:p>
-        </p:txBody>
-      </p:sp>
-      <p:sp>
-        <p:nvSpPr>
-          <p:cNvPr id="8" name="Text Placeholder 7"/>
-          <p:cNvSpPr>
-            <a:spLocks noGrp="1"/>
-          </p:cNvSpPr>
-          <p:nvPr>
-            <p:ph type="body" sz="quarter" idx="14"/>
-          </p:nvPr>
-        </p:nvSpPr>
-        <p:spPr/>
-        <p:txBody>
-          <a:bodyPr/>
-          <a:lstStyle/>
-          <a:p>
-            <a:r>
-              <a:rPr lang="en-US" dirty="0" smtClean="0">
-                <a:hlinkClick r:id="rId4"/>
-              </a:rPr>
-              <a:t>http://nakov.com</a:t>
-            </a:r>
-            <a:r>
-              <a:rPr lang="en-US" dirty="0" smtClean="0"/>
-              <a:t> </a:t>
-            </a:r>
-            <a:endParaRPr lang="en-US" dirty="0"/>
-          </a:p>
-        </p:txBody>
-      </p:sp>
       <p:pic>
         <p:nvPicPr>
           <p:cNvPr id="46082" name="Picture 2" descr="http://www.filebuzz.com/software_screenshot/full/27769-database_icon_library.jpg"/>
@@ -6123,7 +5981,7 @@
           <p:nvPr/>
         </p:nvPicPr>
         <p:blipFill>
-          <a:blip r:embed="rId5" cstate="screen">
+          <a:blip r:embed="rId3" cstate="screen">
             <a:extLst>
               <a:ext uri="{28A0092B-C50C-407E-A947-70E740481C1C}">
                 <a14:useLocalDpi xmlns:a14="http://schemas.microsoft.com/office/drawing/2010/main"/>
@@ -6157,7 +6015,7 @@
           <p:nvPr/>
         </p:nvPicPr>
         <p:blipFill>
-          <a:blip r:embed="rId6" cstate="screen"/>
+          <a:blip r:embed="rId4" cstate="screen"/>
           <a:srcRect/>
           <a:stretch>
             <a:fillRect/>
@@ -6185,7 +6043,7 @@
           <p:nvPr/>
         </p:nvPicPr>
         <p:blipFill>
-          <a:blip r:embed="rId7" cstate="screen"/>
+          <a:blip r:embed="rId5" cstate="screen"/>
           <a:srcRect/>
           <a:stretch>
             <a:fillRect/>
@@ -6213,7 +6071,7 @@
           <p:nvPr/>
         </p:nvPicPr>
         <p:blipFill>
-          <a:blip r:embed="rId8" cstate="screen">
+          <a:blip r:embed="rId6" cstate="screen">
             <a:extLst>
               <a:ext uri="{28A0092B-C50C-407E-A947-70E740481C1C}">
                 <a14:useLocalDpi xmlns:a14="http://schemas.microsoft.com/office/drawing/2010/main"/>
@@ -6226,7 +6084,7 @@
         </p:blipFill>
         <p:spPr bwMode="auto">
           <a:xfrm>
-            <a:off x="4137024" y="4659843"/>
+            <a:off x="4253795" y="4648200"/>
             <a:ext cx="2263775" cy="1676400"/>
           </a:xfrm>
           <a:prstGeom prst="roundRect">
@@ -6261,7 +6119,7 @@
           <p:nvPr/>
         </p:nvPicPr>
         <p:blipFill>
-          <a:blip r:embed="rId9" cstate="screen"/>
+          <a:blip r:embed="rId7" cstate="screen"/>
           <a:srcRect/>
           <a:stretch>
             <a:fillRect/>
@@ -6289,7 +6147,7 @@
           <p:nvPr/>
         </p:nvPicPr>
         <p:blipFill rotWithShape="1">
-          <a:blip r:embed="rId10" cstate="screen">
+          <a:blip r:embed="rId8" cstate="screen">
             <a:extLst>
               <a:ext uri="{28A0092B-C50C-407E-A947-70E740481C1C}">
                 <a14:useLocalDpi xmlns:a14="http://schemas.microsoft.com/office/drawing/2010/main"/>
@@ -6324,7 +6182,7 @@
           <p:nvPr/>
         </p:nvPicPr>
         <p:blipFill rotWithShape="1">
-          <a:blip r:embed="rId11" cstate="screen">
+          <a:blip r:embed="rId9" cstate="screen">
             <a:extLst>
               <a:ext uri="{28A0092B-C50C-407E-A947-70E740481C1C}">
                 <a14:useLocalDpi xmlns:a14="http://schemas.microsoft.com/office/drawing/2010/main"/>
@@ -6359,7 +6217,7 @@
           <p:nvPr/>
         </p:nvPicPr>
         <p:blipFill>
-          <a:blip r:embed="rId12">
+          <a:blip r:embed="rId10">
             <a:extLst>
               <a:ext uri="{28A0092B-C50C-407E-A947-70E740481C1C}">
                 <a14:useLocalDpi xmlns:a14="http://schemas.microsoft.com/office/drawing/2010/main"/>
@@ -6414,6 +6272,818 @@
           </a:extLst>
         </p:spPr>
       </p:pic>
+      <p:sp>
+        <p:nvSpPr>
+          <p:cNvPr id="20" name="Text Placeholder 6"/>
+          <p:cNvSpPr>
+            <a:spLocks noGrp="1"/>
+          </p:cNvSpPr>
+          <p:nvPr/>
+        </p:nvSpPr>
+        <p:spPr>
+          <a:xfrm>
+            <a:off x="429086" y="5726668"/>
+            <a:ext cx="3990513" cy="400110"/>
+          </a:xfrm>
+          <a:prstGeom prst="rect">
+            <a:avLst/>
+          </a:prstGeom>
+          <a:noFill/>
+        </p:spPr>
+        <p:txBody>
+          <a:bodyPr wrap="square" rtlCol="0">
+            <a:spAutoFit/>
+          </a:bodyPr>
+          <a:lstStyle>
+            <a:lvl1pPr marL="319088" indent="-319088" algn="l" rtl="0" eaLnBrk="0" fontAlgn="base" hangingPunct="0">
+              <a:spcBef>
+                <a:spcPct val="20000"/>
+              </a:spcBef>
+              <a:spcAft>
+                <a:spcPct val="0"/>
+              </a:spcAft>
+              <a:buClr>
+                <a:schemeClr val="accent5">
+                  <a:lumMod val="40000"/>
+                  <a:lumOff val="60000"/>
+                </a:schemeClr>
+              </a:buClr>
+              <a:buSzPct val="70000"/>
+              <a:buFont typeface="Wingdings 2" pitchFamily="18" charset="2"/>
+              <a:buNone/>
+              <a:defRPr lang="en-US" sz="2000" b="1" kern="1200" dirty="0">
+                <a:solidFill>
+                  <a:schemeClr val="tx2">
+                    <a:lumMod val="20000"/>
+                    <a:lumOff val="80000"/>
+                  </a:schemeClr>
+                </a:solidFill>
+                <a:effectLst>
+                  <a:outerShdw blurRad="38100" dist="38100" dir="2700000" algn="tl">
+                    <a:srgbClr val="000000">
+                      <a:alpha val="43137"/>
+                    </a:srgbClr>
+                  </a:outerShdw>
+                </a:effectLst>
+                <a:latin typeface="Corbel" pitchFamily="34" charset="0"/>
+                <a:ea typeface="+mn-ea"/>
+                <a:cs typeface="+mn-cs"/>
+              </a:defRPr>
+            </a:lvl1pPr>
+            <a:lvl2pPr marL="630238" indent="-273050" algn="l" rtl="0" eaLnBrk="0" fontAlgn="base" hangingPunct="0">
+              <a:spcBef>
+                <a:spcPct val="20000"/>
+              </a:spcBef>
+              <a:spcAft>
+                <a:spcPct val="0"/>
+              </a:spcAft>
+              <a:buClr>
+                <a:schemeClr val="accent2">
+                  <a:lumMod val="60000"/>
+                  <a:lumOff val="40000"/>
+                </a:schemeClr>
+              </a:buClr>
+              <a:buFont typeface="Wingdings 2" pitchFamily="18" charset="2"/>
+              <a:buChar char=""/>
+              <a:defRPr sz="3000" b="1" kern="1200">
+                <a:solidFill>
+                  <a:schemeClr val="tx1">
+                    <a:lumMod val="20000"/>
+                    <a:lumOff val="80000"/>
+                  </a:schemeClr>
+                </a:solidFill>
+                <a:effectLst>
+                  <a:outerShdw blurRad="38100" dist="38100" dir="2700000" algn="tl">
+                    <a:srgbClr val="000000">
+                      <a:alpha val="43137"/>
+                    </a:srgbClr>
+                  </a:outerShdw>
+                </a:effectLst>
+                <a:latin typeface="+mn-lt"/>
+                <a:ea typeface="+mn-ea"/>
+                <a:cs typeface="+mn-cs"/>
+              </a:defRPr>
+            </a:lvl2pPr>
+            <a:lvl3pPr marL="922338" indent="-273050" algn="l" rtl="0" eaLnBrk="0" fontAlgn="base" hangingPunct="0">
+              <a:spcBef>
+                <a:spcPct val="20000"/>
+              </a:spcBef>
+              <a:spcAft>
+                <a:spcPct val="0"/>
+              </a:spcAft>
+              <a:buClr>
+                <a:schemeClr val="tx1">
+                  <a:lumMod val="50000"/>
+                </a:schemeClr>
+              </a:buClr>
+              <a:buFont typeface="Wingdings 2" pitchFamily="18" charset="2"/>
+              <a:buChar char=""/>
+              <a:defRPr sz="2800" b="1" kern="1200">
+                <a:solidFill>
+                  <a:schemeClr val="tx1">
+                    <a:lumMod val="20000"/>
+                    <a:lumOff val="80000"/>
+                  </a:schemeClr>
+                </a:solidFill>
+                <a:effectLst>
+                  <a:outerShdw blurRad="38100" dist="38100" dir="2700000" algn="tl">
+                    <a:srgbClr val="000000">
+                      <a:alpha val="43137"/>
+                    </a:srgbClr>
+                  </a:outerShdw>
+                </a:effectLst>
+                <a:latin typeface="+mn-lt"/>
+                <a:ea typeface="+mn-ea"/>
+                <a:cs typeface="+mn-cs"/>
+              </a:defRPr>
+            </a:lvl3pPr>
+            <a:lvl4pPr marL="1187450" indent="-228600" algn="l" rtl="0" eaLnBrk="0" fontAlgn="base" hangingPunct="0">
+              <a:spcBef>
+                <a:spcPct val="20000"/>
+              </a:spcBef>
+              <a:spcAft>
+                <a:spcPct val="0"/>
+              </a:spcAft>
+              <a:buClr>
+                <a:srgbClr val="F8BD52"/>
+              </a:buClr>
+              <a:buFont typeface="Wingdings 2" pitchFamily="18" charset="2"/>
+              <a:buChar char=""/>
+              <a:defRPr sz="2600" b="1" kern="1200">
+                <a:solidFill>
+                  <a:schemeClr val="tx1">
+                    <a:lumMod val="20000"/>
+                    <a:lumOff val="80000"/>
+                  </a:schemeClr>
+                </a:solidFill>
+                <a:effectLst>
+                  <a:outerShdw blurRad="38100" dist="38100" dir="2700000" algn="tl">
+                    <a:srgbClr val="000000">
+                      <a:alpha val="43137"/>
+                    </a:srgbClr>
+                  </a:outerShdw>
+                </a:effectLst>
+                <a:latin typeface="+mn-lt"/>
+                <a:ea typeface="+mn-ea"/>
+                <a:cs typeface="+mn-cs"/>
+              </a:defRPr>
+            </a:lvl4pPr>
+            <a:lvl5pPr marL="1425575" indent="-228600" algn="l" rtl="0" eaLnBrk="0" fontAlgn="base" hangingPunct="0">
+              <a:spcBef>
+                <a:spcPct val="20000"/>
+              </a:spcBef>
+              <a:spcAft>
+                <a:spcPct val="0"/>
+              </a:spcAft>
+              <a:buClr>
+                <a:srgbClr val="46A6BD"/>
+              </a:buClr>
+              <a:buFont typeface="Wingdings 2" pitchFamily="18" charset="2"/>
+              <a:buChar char=""/>
+              <a:defRPr sz="2400" b="1" kern="1200">
+                <a:solidFill>
+                  <a:schemeClr val="tx1">
+                    <a:lumMod val="20000"/>
+                    <a:lumOff val="80000"/>
+                  </a:schemeClr>
+                </a:solidFill>
+                <a:effectLst>
+                  <a:outerShdw blurRad="38100" dist="38100" dir="2700000" algn="tl">
+                    <a:srgbClr val="000000">
+                      <a:alpha val="43137"/>
+                    </a:srgbClr>
+                  </a:outerShdw>
+                </a:effectLst>
+                <a:latin typeface="+mn-lt"/>
+                <a:ea typeface="+mn-ea"/>
+                <a:cs typeface="+mn-cs"/>
+              </a:defRPr>
+            </a:lvl5pPr>
+            <a:lvl6pPr marL="1673352" indent="-228600" algn="l" rtl="0" eaLnBrk="1" latinLnBrk="0" hangingPunct="1">
+              <a:spcBef>
+                <a:spcPct val="20000"/>
+              </a:spcBef>
+              <a:buClr>
+                <a:schemeClr val="accent6"/>
+              </a:buClr>
+              <a:buFont typeface="Wingdings 2"/>
+              <a:buChar char=""/>
+              <a:defRPr sz="1800" kern="1200">
+                <a:solidFill>
+                  <a:schemeClr val="tx1"/>
+                </a:solidFill>
+                <a:latin typeface="+mn-lt"/>
+                <a:ea typeface="+mn-ea"/>
+                <a:cs typeface="+mn-cs"/>
+              </a:defRPr>
+            </a:lvl6pPr>
+            <a:lvl7pPr marL="1911096" indent="-228600" algn="l" rtl="0" eaLnBrk="1" latinLnBrk="0" hangingPunct="1">
+              <a:spcBef>
+                <a:spcPct val="20000"/>
+              </a:spcBef>
+              <a:buClr>
+                <a:schemeClr val="tx2"/>
+              </a:buClr>
+              <a:buFont typeface="Wingdings 2"/>
+              <a:buChar char=""/>
+              <a:defRPr sz="1600" kern="1200">
+                <a:solidFill>
+                  <a:schemeClr val="tx1"/>
+                </a:solidFill>
+                <a:latin typeface="+mn-lt"/>
+                <a:ea typeface="+mn-ea"/>
+                <a:cs typeface="+mn-cs"/>
+              </a:defRPr>
+            </a:lvl7pPr>
+            <a:lvl8pPr marL="2121408" indent="-182880" algn="l" rtl="0" eaLnBrk="1" latinLnBrk="0" hangingPunct="1">
+              <a:spcBef>
+                <a:spcPct val="20000"/>
+              </a:spcBef>
+              <a:buClr>
+                <a:schemeClr val="tx2"/>
+              </a:buClr>
+              <a:buFont typeface="Wingdings 2"/>
+              <a:buChar char=""/>
+              <a:defRPr sz="1400" kern="1200">
+                <a:solidFill>
+                  <a:schemeClr val="tx1"/>
+                </a:solidFill>
+                <a:latin typeface="+mn-lt"/>
+                <a:ea typeface="+mn-ea"/>
+                <a:cs typeface="+mn-cs"/>
+              </a:defRPr>
+            </a:lvl8pPr>
+            <a:lvl9pPr marL="2322576" indent="-182880" algn="l" rtl="0" eaLnBrk="1" latinLnBrk="0" hangingPunct="1">
+              <a:spcBef>
+                <a:spcPct val="20000"/>
+              </a:spcBef>
+              <a:buClr>
+                <a:schemeClr val="tx2"/>
+              </a:buClr>
+              <a:buFont typeface="Wingdings 2"/>
+              <a:buChar char=""/>
+              <a:defRPr sz="1400" kern="1200">
+                <a:solidFill>
+                  <a:schemeClr val="tx1"/>
+                </a:solidFill>
+                <a:latin typeface="+mn-lt"/>
+                <a:ea typeface="+mn-ea"/>
+                <a:cs typeface="+mn-cs"/>
+              </a:defRPr>
+            </a:lvl9pPr>
+          </a:lstStyle>
+          <a:p>
+            <a:r>
+              <a:rPr lang="en-US" dirty="0" smtClean="0"/>
+              <a:t>Learning &amp; Development Team</a:t>
+            </a:r>
+            <a:endParaRPr lang="en-US" dirty="0"/>
+          </a:p>
+        </p:txBody>
+      </p:sp>
+      <p:sp>
+        <p:nvSpPr>
+          <p:cNvPr id="21" name="Text Placeholder 7"/>
+          <p:cNvSpPr>
+            <a:spLocks noGrp="1"/>
+          </p:cNvSpPr>
+          <p:nvPr/>
+        </p:nvSpPr>
+        <p:spPr>
+          <a:xfrm>
+            <a:off x="429087" y="6031468"/>
+            <a:ext cx="3990513" cy="369332"/>
+          </a:xfrm>
+          <a:prstGeom prst="rect">
+            <a:avLst/>
+          </a:prstGeom>
+          <a:noFill/>
+        </p:spPr>
+        <p:txBody>
+          <a:bodyPr wrap="square" rtlCol="0">
+            <a:spAutoFit/>
+          </a:bodyPr>
+          <a:lstStyle>
+            <a:lvl1pPr marL="319088" indent="-319088" algn="l" rtl="0" eaLnBrk="0" fontAlgn="base" hangingPunct="0">
+              <a:spcBef>
+                <a:spcPct val="20000"/>
+              </a:spcBef>
+              <a:spcAft>
+                <a:spcPct val="0"/>
+              </a:spcAft>
+              <a:buClr>
+                <a:schemeClr val="accent5">
+                  <a:lumMod val="40000"/>
+                  <a:lumOff val="60000"/>
+                </a:schemeClr>
+              </a:buClr>
+              <a:buSzPct val="70000"/>
+              <a:buFont typeface="Wingdings 2" pitchFamily="18" charset="2"/>
+              <a:buNone/>
+              <a:defRPr lang="en-US" sz="1800" b="1" kern="1200" dirty="0">
+                <a:solidFill>
+                  <a:schemeClr val="tx2">
+                    <a:lumMod val="20000"/>
+                    <a:lumOff val="80000"/>
+                  </a:schemeClr>
+                </a:solidFill>
+                <a:effectLst>
+                  <a:outerShdw blurRad="38100" dist="38100" dir="2700000" algn="tl">
+                    <a:srgbClr val="000000">
+                      <a:alpha val="43137"/>
+                    </a:srgbClr>
+                  </a:outerShdw>
+                </a:effectLst>
+                <a:latin typeface="Corbel" pitchFamily="34" charset="0"/>
+                <a:ea typeface="+mn-ea"/>
+                <a:cs typeface="+mn-cs"/>
+              </a:defRPr>
+            </a:lvl1pPr>
+            <a:lvl2pPr marL="630238" indent="-273050" algn="l" rtl="0" eaLnBrk="0" fontAlgn="base" hangingPunct="0">
+              <a:spcBef>
+                <a:spcPct val="20000"/>
+              </a:spcBef>
+              <a:spcAft>
+                <a:spcPct val="0"/>
+              </a:spcAft>
+              <a:buClr>
+                <a:schemeClr val="accent2">
+                  <a:lumMod val="60000"/>
+                  <a:lumOff val="40000"/>
+                </a:schemeClr>
+              </a:buClr>
+              <a:buFont typeface="Wingdings 2" pitchFamily="18" charset="2"/>
+              <a:buChar char=""/>
+              <a:defRPr sz="3000" b="1" kern="1200">
+                <a:solidFill>
+                  <a:schemeClr val="tx1">
+                    <a:lumMod val="20000"/>
+                    <a:lumOff val="80000"/>
+                  </a:schemeClr>
+                </a:solidFill>
+                <a:effectLst>
+                  <a:outerShdw blurRad="38100" dist="38100" dir="2700000" algn="tl">
+                    <a:srgbClr val="000000">
+                      <a:alpha val="43137"/>
+                    </a:srgbClr>
+                  </a:outerShdw>
+                </a:effectLst>
+                <a:latin typeface="+mn-lt"/>
+                <a:ea typeface="+mn-ea"/>
+                <a:cs typeface="+mn-cs"/>
+              </a:defRPr>
+            </a:lvl2pPr>
+            <a:lvl3pPr marL="922338" indent="-273050" algn="l" rtl="0" eaLnBrk="0" fontAlgn="base" hangingPunct="0">
+              <a:spcBef>
+                <a:spcPct val="20000"/>
+              </a:spcBef>
+              <a:spcAft>
+                <a:spcPct val="0"/>
+              </a:spcAft>
+              <a:buClr>
+                <a:schemeClr val="tx1">
+                  <a:lumMod val="50000"/>
+                </a:schemeClr>
+              </a:buClr>
+              <a:buFont typeface="Wingdings 2" pitchFamily="18" charset="2"/>
+              <a:buChar char=""/>
+              <a:defRPr sz="2800" b="1" kern="1200">
+                <a:solidFill>
+                  <a:schemeClr val="tx1">
+                    <a:lumMod val="20000"/>
+                    <a:lumOff val="80000"/>
+                  </a:schemeClr>
+                </a:solidFill>
+                <a:effectLst>
+                  <a:outerShdw blurRad="38100" dist="38100" dir="2700000" algn="tl">
+                    <a:srgbClr val="000000">
+                      <a:alpha val="43137"/>
+                    </a:srgbClr>
+                  </a:outerShdw>
+                </a:effectLst>
+                <a:latin typeface="+mn-lt"/>
+                <a:ea typeface="+mn-ea"/>
+                <a:cs typeface="+mn-cs"/>
+              </a:defRPr>
+            </a:lvl3pPr>
+            <a:lvl4pPr marL="1187450" indent="-228600" algn="l" rtl="0" eaLnBrk="0" fontAlgn="base" hangingPunct="0">
+              <a:spcBef>
+                <a:spcPct val="20000"/>
+              </a:spcBef>
+              <a:spcAft>
+                <a:spcPct val="0"/>
+              </a:spcAft>
+              <a:buClr>
+                <a:srgbClr val="F8BD52"/>
+              </a:buClr>
+              <a:buFont typeface="Wingdings 2" pitchFamily="18" charset="2"/>
+              <a:buChar char=""/>
+              <a:defRPr sz="2600" b="1" kern="1200">
+                <a:solidFill>
+                  <a:schemeClr val="tx1">
+                    <a:lumMod val="20000"/>
+                    <a:lumOff val="80000"/>
+                  </a:schemeClr>
+                </a:solidFill>
+                <a:effectLst>
+                  <a:outerShdw blurRad="38100" dist="38100" dir="2700000" algn="tl">
+                    <a:srgbClr val="000000">
+                      <a:alpha val="43137"/>
+                    </a:srgbClr>
+                  </a:outerShdw>
+                </a:effectLst>
+                <a:latin typeface="+mn-lt"/>
+                <a:ea typeface="+mn-ea"/>
+                <a:cs typeface="+mn-cs"/>
+              </a:defRPr>
+            </a:lvl4pPr>
+            <a:lvl5pPr marL="1425575" indent="-228600" algn="l" rtl="0" eaLnBrk="0" fontAlgn="base" hangingPunct="0">
+              <a:spcBef>
+                <a:spcPct val="20000"/>
+              </a:spcBef>
+              <a:spcAft>
+                <a:spcPct val="0"/>
+              </a:spcAft>
+              <a:buClr>
+                <a:srgbClr val="46A6BD"/>
+              </a:buClr>
+              <a:buFont typeface="Wingdings 2" pitchFamily="18" charset="2"/>
+              <a:buChar char=""/>
+              <a:defRPr sz="2400" b="1" kern="1200">
+                <a:solidFill>
+                  <a:schemeClr val="tx1">
+                    <a:lumMod val="20000"/>
+                    <a:lumOff val="80000"/>
+                  </a:schemeClr>
+                </a:solidFill>
+                <a:effectLst>
+                  <a:outerShdw blurRad="38100" dist="38100" dir="2700000" algn="tl">
+                    <a:srgbClr val="000000">
+                      <a:alpha val="43137"/>
+                    </a:srgbClr>
+                  </a:outerShdw>
+                </a:effectLst>
+                <a:latin typeface="+mn-lt"/>
+                <a:ea typeface="+mn-ea"/>
+                <a:cs typeface="+mn-cs"/>
+              </a:defRPr>
+            </a:lvl5pPr>
+            <a:lvl6pPr marL="1673352" indent="-228600" algn="l" rtl="0" eaLnBrk="1" latinLnBrk="0" hangingPunct="1">
+              <a:spcBef>
+                <a:spcPct val="20000"/>
+              </a:spcBef>
+              <a:buClr>
+                <a:schemeClr val="accent6"/>
+              </a:buClr>
+              <a:buFont typeface="Wingdings 2"/>
+              <a:buChar char=""/>
+              <a:defRPr sz="1800" kern="1200">
+                <a:solidFill>
+                  <a:schemeClr val="tx1"/>
+                </a:solidFill>
+                <a:latin typeface="+mn-lt"/>
+                <a:ea typeface="+mn-ea"/>
+                <a:cs typeface="+mn-cs"/>
+              </a:defRPr>
+            </a:lvl6pPr>
+            <a:lvl7pPr marL="1911096" indent="-228600" algn="l" rtl="0" eaLnBrk="1" latinLnBrk="0" hangingPunct="1">
+              <a:spcBef>
+                <a:spcPct val="20000"/>
+              </a:spcBef>
+              <a:buClr>
+                <a:schemeClr val="tx2"/>
+              </a:buClr>
+              <a:buFont typeface="Wingdings 2"/>
+              <a:buChar char=""/>
+              <a:defRPr sz="1600" kern="1200">
+                <a:solidFill>
+                  <a:schemeClr val="tx1"/>
+                </a:solidFill>
+                <a:latin typeface="+mn-lt"/>
+                <a:ea typeface="+mn-ea"/>
+                <a:cs typeface="+mn-cs"/>
+              </a:defRPr>
+            </a:lvl7pPr>
+            <a:lvl8pPr marL="2121408" indent="-182880" algn="l" rtl="0" eaLnBrk="1" latinLnBrk="0" hangingPunct="1">
+              <a:spcBef>
+                <a:spcPct val="20000"/>
+              </a:spcBef>
+              <a:buClr>
+                <a:schemeClr val="tx2"/>
+              </a:buClr>
+              <a:buFont typeface="Wingdings 2"/>
+              <a:buChar char=""/>
+              <a:defRPr sz="1400" kern="1200">
+                <a:solidFill>
+                  <a:schemeClr val="tx1"/>
+                </a:solidFill>
+                <a:latin typeface="+mn-lt"/>
+                <a:ea typeface="+mn-ea"/>
+                <a:cs typeface="+mn-cs"/>
+              </a:defRPr>
+            </a:lvl8pPr>
+            <a:lvl9pPr marL="2322576" indent="-182880" algn="l" rtl="0" eaLnBrk="1" latinLnBrk="0" hangingPunct="1">
+              <a:spcBef>
+                <a:spcPct val="20000"/>
+              </a:spcBef>
+              <a:buClr>
+                <a:schemeClr val="tx2"/>
+              </a:buClr>
+              <a:buFont typeface="Wingdings 2"/>
+              <a:buChar char=""/>
+              <a:defRPr sz="1400" kern="1200">
+                <a:solidFill>
+                  <a:schemeClr val="tx1"/>
+                </a:solidFill>
+                <a:latin typeface="+mn-lt"/>
+                <a:ea typeface="+mn-ea"/>
+                <a:cs typeface="+mn-cs"/>
+              </a:defRPr>
+            </a:lvl9pPr>
+          </a:lstStyle>
+          <a:p>
+            <a:r>
+              <a:rPr lang="en-US" dirty="0" smtClean="0">
+                <a:hlinkClick r:id="rId11"/>
+              </a:rPr>
+              <a:t>http://academy.telerik.com</a:t>
+            </a:r>
+            <a:r>
+              <a:rPr lang="en-US" dirty="0" smtClean="0"/>
+              <a:t> </a:t>
+            </a:r>
+            <a:endParaRPr lang="en-US" dirty="0"/>
+          </a:p>
+        </p:txBody>
+      </p:sp>
+      <p:sp>
+        <p:nvSpPr>
+          <p:cNvPr id="22" name="Text Placeholder 13"/>
+          <p:cNvSpPr>
+            <a:spLocks noGrp="1"/>
+          </p:cNvSpPr>
+          <p:nvPr/>
+        </p:nvSpPr>
+        <p:spPr>
+          <a:xfrm>
+            <a:off x="429087" y="5352025"/>
+            <a:ext cx="3990513" cy="461665"/>
+          </a:xfrm>
+          <a:prstGeom prst="rect">
+            <a:avLst/>
+          </a:prstGeom>
+          <a:noFill/>
+        </p:spPr>
+        <p:txBody>
+          <a:bodyPr wrap="square" rtlCol="0">
+            <a:spAutoFit/>
+          </a:bodyPr>
+          <a:lstStyle>
+            <a:lvl1pPr marL="0" indent="0" algn="l" rtl="0" eaLnBrk="0" fontAlgn="base" hangingPunct="0">
+              <a:spcBef>
+                <a:spcPct val="20000"/>
+              </a:spcBef>
+              <a:spcAft>
+                <a:spcPct val="0"/>
+              </a:spcAft>
+              <a:buClr>
+                <a:schemeClr val="accent5">
+                  <a:lumMod val="40000"/>
+                  <a:lumOff val="60000"/>
+                </a:schemeClr>
+              </a:buClr>
+              <a:buSzPct val="70000"/>
+              <a:buFont typeface="Wingdings 2" pitchFamily="18" charset="2"/>
+              <a:buNone/>
+              <a:defRPr lang="en-US" sz="2400" b="1" kern="1200" dirty="0">
+                <a:solidFill>
+                  <a:schemeClr val="tx2">
+                    <a:lumMod val="50000"/>
+                  </a:schemeClr>
+                </a:solidFill>
+                <a:effectLst>
+                  <a:outerShdw blurRad="38100" dist="38100" dir="2700000" algn="tl">
+                    <a:srgbClr val="000000">
+                      <a:alpha val="43137"/>
+                    </a:srgbClr>
+                  </a:outerShdw>
+                </a:effectLst>
+                <a:latin typeface="Corbel" pitchFamily="34" charset="0"/>
+                <a:ea typeface="+mn-ea"/>
+                <a:cs typeface="+mn-cs"/>
+              </a:defRPr>
+            </a:lvl1pPr>
+            <a:lvl2pPr marL="630238" indent="-273050" algn="l" rtl="0" eaLnBrk="0" fontAlgn="base" hangingPunct="0">
+              <a:spcBef>
+                <a:spcPct val="20000"/>
+              </a:spcBef>
+              <a:spcAft>
+                <a:spcPct val="0"/>
+              </a:spcAft>
+              <a:buClr>
+                <a:schemeClr val="accent2">
+                  <a:lumMod val="60000"/>
+                  <a:lumOff val="40000"/>
+                </a:schemeClr>
+              </a:buClr>
+              <a:buFont typeface="Wingdings 2" pitchFamily="18" charset="2"/>
+              <a:buChar char=""/>
+              <a:defRPr sz="3000" b="1" kern="1200">
+                <a:solidFill>
+                  <a:schemeClr val="tx1">
+                    <a:lumMod val="20000"/>
+                    <a:lumOff val="80000"/>
+                  </a:schemeClr>
+                </a:solidFill>
+                <a:effectLst>
+                  <a:outerShdw blurRad="38100" dist="38100" dir="2700000" algn="tl">
+                    <a:srgbClr val="000000">
+                      <a:alpha val="43137"/>
+                    </a:srgbClr>
+                  </a:outerShdw>
+                </a:effectLst>
+                <a:latin typeface="+mn-lt"/>
+                <a:ea typeface="+mn-ea"/>
+                <a:cs typeface="+mn-cs"/>
+              </a:defRPr>
+            </a:lvl2pPr>
+            <a:lvl3pPr marL="922338" indent="-273050" algn="l" rtl="0" eaLnBrk="0" fontAlgn="base" hangingPunct="0">
+              <a:spcBef>
+                <a:spcPct val="20000"/>
+              </a:spcBef>
+              <a:spcAft>
+                <a:spcPct val="0"/>
+              </a:spcAft>
+              <a:buClr>
+                <a:schemeClr val="tx1">
+                  <a:lumMod val="50000"/>
+                </a:schemeClr>
+              </a:buClr>
+              <a:buFont typeface="Wingdings 2" pitchFamily="18" charset="2"/>
+              <a:buChar char=""/>
+              <a:defRPr sz="2800" b="1" kern="1200">
+                <a:solidFill>
+                  <a:schemeClr val="tx1">
+                    <a:lumMod val="20000"/>
+                    <a:lumOff val="80000"/>
+                  </a:schemeClr>
+                </a:solidFill>
+                <a:effectLst>
+                  <a:outerShdw blurRad="38100" dist="38100" dir="2700000" algn="tl">
+                    <a:srgbClr val="000000">
+                      <a:alpha val="43137"/>
+                    </a:srgbClr>
+                  </a:outerShdw>
+                </a:effectLst>
+                <a:latin typeface="+mn-lt"/>
+                <a:ea typeface="+mn-ea"/>
+                <a:cs typeface="+mn-cs"/>
+              </a:defRPr>
+            </a:lvl3pPr>
+            <a:lvl4pPr marL="1187450" indent="-228600" algn="l" rtl="0" eaLnBrk="0" fontAlgn="base" hangingPunct="0">
+              <a:spcBef>
+                <a:spcPct val="20000"/>
+              </a:spcBef>
+              <a:spcAft>
+                <a:spcPct val="0"/>
+              </a:spcAft>
+              <a:buClr>
+                <a:srgbClr val="F8BD52"/>
+              </a:buClr>
+              <a:buFont typeface="Wingdings 2" pitchFamily="18" charset="2"/>
+              <a:buChar char=""/>
+              <a:defRPr sz="2600" b="1" kern="1200">
+                <a:solidFill>
+                  <a:schemeClr val="tx1">
+                    <a:lumMod val="20000"/>
+                    <a:lumOff val="80000"/>
+                  </a:schemeClr>
+                </a:solidFill>
+                <a:effectLst>
+                  <a:outerShdw blurRad="38100" dist="38100" dir="2700000" algn="tl">
+                    <a:srgbClr val="000000">
+                      <a:alpha val="43137"/>
+                    </a:srgbClr>
+                  </a:outerShdw>
+                </a:effectLst>
+                <a:latin typeface="+mn-lt"/>
+                <a:ea typeface="+mn-ea"/>
+                <a:cs typeface="+mn-cs"/>
+              </a:defRPr>
+            </a:lvl4pPr>
+            <a:lvl5pPr marL="1425575" indent="-228600" algn="l" rtl="0" eaLnBrk="0" fontAlgn="base" hangingPunct="0">
+              <a:spcBef>
+                <a:spcPct val="20000"/>
+              </a:spcBef>
+              <a:spcAft>
+                <a:spcPct val="0"/>
+              </a:spcAft>
+              <a:buClr>
+                <a:srgbClr val="46A6BD"/>
+              </a:buClr>
+              <a:buFont typeface="Wingdings 2" pitchFamily="18" charset="2"/>
+              <a:buChar char=""/>
+              <a:defRPr sz="2400" b="1" kern="1200">
+                <a:solidFill>
+                  <a:schemeClr val="tx1">
+                    <a:lumMod val="20000"/>
+                    <a:lumOff val="80000"/>
+                  </a:schemeClr>
+                </a:solidFill>
+                <a:effectLst>
+                  <a:outerShdw blurRad="38100" dist="38100" dir="2700000" algn="tl">
+                    <a:srgbClr val="000000">
+                      <a:alpha val="43137"/>
+                    </a:srgbClr>
+                  </a:outerShdw>
+                </a:effectLst>
+                <a:latin typeface="+mn-lt"/>
+                <a:ea typeface="+mn-ea"/>
+                <a:cs typeface="+mn-cs"/>
+              </a:defRPr>
+            </a:lvl5pPr>
+            <a:lvl6pPr marL="1673352" indent="-228600" algn="l" rtl="0" eaLnBrk="1" latinLnBrk="0" hangingPunct="1">
+              <a:spcBef>
+                <a:spcPct val="20000"/>
+              </a:spcBef>
+              <a:buClr>
+                <a:schemeClr val="accent6"/>
+              </a:buClr>
+              <a:buFont typeface="Wingdings 2"/>
+              <a:buChar char=""/>
+              <a:defRPr sz="1800" kern="1200">
+                <a:solidFill>
+                  <a:schemeClr val="tx1"/>
+                </a:solidFill>
+                <a:latin typeface="+mn-lt"/>
+                <a:ea typeface="+mn-ea"/>
+                <a:cs typeface="+mn-cs"/>
+              </a:defRPr>
+            </a:lvl6pPr>
+            <a:lvl7pPr marL="1911096" indent="-228600" algn="l" rtl="0" eaLnBrk="1" latinLnBrk="0" hangingPunct="1">
+              <a:spcBef>
+                <a:spcPct val="20000"/>
+              </a:spcBef>
+              <a:buClr>
+                <a:schemeClr val="tx2"/>
+              </a:buClr>
+              <a:buFont typeface="Wingdings 2"/>
+              <a:buChar char=""/>
+              <a:defRPr sz="1600" kern="1200">
+                <a:solidFill>
+                  <a:schemeClr val="tx1"/>
+                </a:solidFill>
+                <a:latin typeface="+mn-lt"/>
+                <a:ea typeface="+mn-ea"/>
+                <a:cs typeface="+mn-cs"/>
+              </a:defRPr>
+            </a:lvl7pPr>
+            <a:lvl8pPr marL="2121408" indent="-182880" algn="l" rtl="0" eaLnBrk="1" latinLnBrk="0" hangingPunct="1">
+              <a:spcBef>
+                <a:spcPct val="20000"/>
+              </a:spcBef>
+              <a:buClr>
+                <a:schemeClr val="tx2"/>
+              </a:buClr>
+              <a:buFont typeface="Wingdings 2"/>
+              <a:buChar char=""/>
+              <a:defRPr sz="1400" kern="1200">
+                <a:solidFill>
+                  <a:schemeClr val="tx1"/>
+                </a:solidFill>
+                <a:latin typeface="+mn-lt"/>
+                <a:ea typeface="+mn-ea"/>
+                <a:cs typeface="+mn-cs"/>
+              </a:defRPr>
+            </a:lvl8pPr>
+            <a:lvl9pPr marL="2322576" indent="-182880" algn="l" rtl="0" eaLnBrk="1" latinLnBrk="0" hangingPunct="1">
+              <a:spcBef>
+                <a:spcPct val="20000"/>
+              </a:spcBef>
+              <a:buClr>
+                <a:schemeClr val="tx2"/>
+              </a:buClr>
+              <a:buFont typeface="Wingdings 2"/>
+              <a:buChar char=""/>
+              <a:defRPr sz="1400" kern="1200">
+                <a:solidFill>
+                  <a:schemeClr val="tx1"/>
+                </a:solidFill>
+                <a:latin typeface="+mn-lt"/>
+                <a:ea typeface="+mn-ea"/>
+                <a:cs typeface="+mn-cs"/>
+              </a:defRPr>
+            </a:lvl9pPr>
+          </a:lstStyle>
+          <a:p>
+            <a:r>
+              <a:rPr lang="en-US" dirty="0" smtClean="0"/>
+              <a:t>Telerik Software Academy</a:t>
+            </a:r>
+            <a:endParaRPr lang="en-US" dirty="0"/>
+          </a:p>
+        </p:txBody>
+      </p:sp>
     </p:spTree>
     <p:extLst>
       <p:ext uri="{BB962C8B-B14F-4D97-AF65-F5344CB8AC3E}">
